--- a/fall11/slidesF11/slides10m.pptx
+++ b/fall11/slidesF11/slides10m.pptx
@@ -4837,37 +4837,7 @@
                 <a:uFillTx/>
                 <a:latin typeface="Comic Sans MS" pitchFamily="66" charset="0"/>
               </a:rPr>
-              <a:t>Albert R Meyer,       </a:t>
-            </a:r>
-            <a:r>
-              <a:rPr kumimoji="0" lang="en-US" sz="1200" b="0" i="0" u="none" strike="noStrike" kern="1200" cap="none" spc="0" normalizeH="0" baseline="0" noProof="0" dirty="0" smtClean="0">
-                <a:ln>
-                  <a:noFill/>
-                </a:ln>
-                <a:solidFill>
-                  <a:schemeClr val="tx1"/>
-                </a:solidFill>
-                <a:effectLst/>
-                <a:uLnTx/>
-                <a:uFillTx/>
-                <a:latin typeface="Comic Sans MS" pitchFamily="66" charset="0"/>
-              </a:rPr>
-              <a:t>           November 7, </a:t>
-            </a:r>
-            <a:r>
-              <a:rPr kumimoji="0" lang="en-US" sz="1200" b="0" i="0" u="none" strike="noStrike" kern="1200" cap="none" spc="0" normalizeH="0" baseline="0" noProof="0" dirty="0" smtClean="0">
-                <a:ln>
-                  <a:noFill/>
-                </a:ln>
-                <a:solidFill>
-                  <a:schemeClr val="tx1"/>
-                </a:solidFill>
-                <a:effectLst/>
-                <a:uLnTx/>
-                <a:uFillTx/>
-                <a:latin typeface="Comic Sans MS" pitchFamily="66" charset="0"/>
-              </a:rPr>
-              <a:t>2011</a:t>
+              <a:t>Albert R Meyer,                  November 7, 2011</a:t>
             </a:r>
             <a:endParaRPr kumimoji="0" lang="en-US" sz="1200" b="0" i="0" u="none" strike="noStrike" kern="1200" cap="none" spc="0" normalizeH="0" baseline="0" noProof="0" dirty="0">
               <a:ln>
@@ -5693,7 +5663,7 @@
           <a:graphicData uri="http://schemas.openxmlformats.org/presentationml/2006/ole">
             <mc:AlternateContent xmlns:mc="http://schemas.openxmlformats.org/markup-compatibility/2006">
               <mc:Choice xmlns:v="urn:schemas-microsoft-com:vml" Requires="v">
-                <p:oleObj spid="_x0000_s151557" name="Equation" r:id="rId4" imgW="1803240" imgH="685800" progId="Equation.DSMT4">
+                <p:oleObj spid="_x0000_s151560" name="Equation" r:id="rId4" imgW="1803240" imgH="685800" progId="Equation.DSMT4">
                   <p:embed/>
                 </p:oleObj>
               </mc:Choice>
@@ -6169,7 +6139,7 @@
           <a:graphicData uri="http://schemas.openxmlformats.org/presentationml/2006/ole">
             <mc:AlternateContent xmlns:mc="http://schemas.openxmlformats.org/markup-compatibility/2006">
               <mc:Choice xmlns:v="urn:schemas-microsoft-com:vml" Requires="v">
-                <p:oleObj spid="_x0000_s152581" name="Equation" r:id="rId4" imgW="1777680" imgH="1523880" progId="Equation.DSMT4">
+                <p:oleObj spid="_x0000_s152584" name="Equation" r:id="rId4" imgW="1777680" imgH="1523880" progId="Equation.DSMT4">
                   <p:embed/>
                 </p:oleObj>
               </mc:Choice>
@@ -6334,29 +6304,6 @@
       </p:grpSpPr>
       <p:sp>
         <p:nvSpPr>
-          <p:cNvPr id="13316" name="Rectangle 2"/>
-          <p:cNvSpPr>
-            <a:spLocks noGrp="1" noChangeArrowheads="1"/>
-          </p:cNvSpPr>
-          <p:nvPr>
-            <p:ph type="title"/>
-          </p:nvPr>
-        </p:nvSpPr>
-        <p:spPr/>
-        <p:txBody>
-          <a:bodyPr/>
-          <a:lstStyle/>
-          <a:p>
-            <a:pPr eaLnBrk="1" hangingPunct="1"/>
-            <a:r>
-              <a:rPr lang="en-US" smtClean="0"/>
-              <a:t>Little Oh</a:t>
-            </a:r>
-          </a:p>
-        </p:txBody>
-      </p:sp>
-      <p:sp>
-        <p:nvSpPr>
           <p:cNvPr id="13317" name="Rectangle 3"/>
           <p:cNvSpPr>
             <a:spLocks noGrp="1" noChangeArrowheads="1"/>
@@ -6549,7 +6496,7 @@
           <a:graphicData uri="http://schemas.openxmlformats.org/presentationml/2006/ole">
             <mc:AlternateContent xmlns:mc="http://schemas.openxmlformats.org/markup-compatibility/2006">
               <mc:Choice xmlns:v="urn:schemas-microsoft-com:vml" Requires="v">
-                <p:oleObj spid="_x0000_s153605" name="Equation" r:id="rId4" imgW="1231900" imgH="457200" progId="Equation.DSMT4">
+                <p:oleObj spid="_x0000_s153608" name="Equation" r:id="rId4" imgW="1231900" imgH="457200" progId="Equation.DSMT4">
                   <p:embed/>
                 </p:oleObj>
               </mc:Choice>
@@ -6605,46 +6552,34 @@
       </p:graphicFrame>
       <p:sp useBgFill="1">
         <p:nvSpPr>
-          <p:cNvPr id="483335" name="Rectangle 7"/>
+          <p:cNvPr id="8" name="Rectangle 2"/>
           <p:cNvSpPr>
-            <a:spLocks noChangeArrowheads="1"/>
+            <a:spLocks noGrp="1" noChangeArrowheads="1"/>
           </p:cNvSpPr>
-          <p:nvPr/>
+          <p:nvPr>
+            <p:ph type="title"/>
+          </p:nvPr>
         </p:nvSpPr>
-        <p:spPr bwMode="auto">
+        <p:spPr>
           <a:xfrm>
-            <a:off x="1447800" y="12700"/>
-            <a:ext cx="7543800" cy="1143000"/>
+            <a:off x="1143000" y="152400"/>
+            <a:ext cx="7239000" cy="914400"/>
           </a:xfrm>
-          <a:prstGeom prst="rect">
-            <a:avLst/>
-          </a:prstGeom>
-          <a:ln w="9525">
-            <a:noFill/>
-            <a:miter lim="800000"/>
-            <a:headEnd/>
-            <a:tailEnd/>
-          </a:ln>
         </p:spPr>
         <p:txBody>
-          <a:bodyPr anchor="ctr"/>
+          <a:bodyPr/>
           <a:lstStyle/>
           <a:p>
-            <a:r>
-              <a:rPr lang="en-US" sz="3200" b="1" dirty="0">
-                <a:solidFill>
-                  <a:schemeClr val="tx2"/>
-                </a:solidFill>
-                <a:latin typeface="Comic Sans MS" pitchFamily="66" charset="0"/>
-              </a:rPr>
+            <a:pPr eaLnBrk="1" hangingPunct="1"/>
+            <a:r>
+              <a:rPr lang="en-US" dirty="0" smtClean="0"/>
               <a:t>Little Oh:   </a:t>
             </a:r>
             <a:r>
-              <a:rPr lang="en-US" sz="3200" b="1" dirty="0">
+              <a:rPr lang="en-US" dirty="0" smtClean="0">
                 <a:solidFill>
                   <a:srgbClr val="FF33CC"/>
                 </a:solidFill>
-                <a:latin typeface="Comic Sans MS" pitchFamily="66" charset="0"/>
               </a:rPr>
               <a:t>o(∙)</a:t>
             </a:r>
@@ -6671,6 +6606,9 @@
                     <p:cTn id="3" fill="hold">
                       <p:stCondLst>
                         <p:cond delay="indefinite"/>
+                        <p:cond evt="onBegin" delay="0">
+                          <p:tn val="2"/>
+                        </p:cond>
                       </p:stCondLst>
                       <p:childTnLst>
                         <p:par>
@@ -6680,7 +6618,7 @@
                             </p:stCondLst>
                             <p:childTnLst>
                               <p:par>
-                                <p:cTn id="5" presetID="9" presetClass="entr" presetSubtype="0" fill="hold" grpId="0" nodeType="clickEffect">
+                                <p:cTn id="5" presetID="9" presetClass="entr" presetSubtype="0" fill="hold" nodeType="withEffect">
                                   <p:stCondLst>
                                     <p:cond delay="0"/>
                                   </p:stCondLst>
@@ -6688,41 +6626,6 @@
                                     <p:set>
                                       <p:cBhvr>
                                         <p:cTn id="6" dur="1" fill="hold">
-                                          <p:stCondLst>
-                                            <p:cond delay="0"/>
-                                          </p:stCondLst>
-                                        </p:cTn>
-                                        <p:tgtEl>
-                                          <p:spTgt spid="483335"/>
-                                        </p:tgtEl>
-                                        <p:attrNameLst>
-                                          <p:attrName>style.visibility</p:attrName>
-                                        </p:attrNameLst>
-                                      </p:cBhvr>
-                                      <p:to>
-                                        <p:strVal val="visible"/>
-                                      </p:to>
-                                    </p:set>
-                                    <p:animEffect transition="in" filter="dissolve">
-                                      <p:cBhvr>
-                                        <p:cTn id="7" dur="500"/>
-                                        <p:tgtEl>
-                                          <p:spTgt spid="483335"/>
-                                        </p:tgtEl>
-                                      </p:cBhvr>
-                                    </p:animEffect>
-                                  </p:childTnLst>
-                                </p:cTn>
-                              </p:par>
-                              <p:par>
-                                <p:cTn id="8" presetID="9" presetClass="entr" presetSubtype="0" fill="hold" nodeType="withEffect">
-                                  <p:stCondLst>
-                                    <p:cond delay="0"/>
-                                  </p:stCondLst>
-                                  <p:childTnLst>
-                                    <p:set>
-                                      <p:cBhvr>
-                                        <p:cTn id="9" dur="1" fill="hold">
                                           <p:stCondLst>
                                             <p:cond delay="0"/>
                                           </p:stCondLst>
@@ -6744,7 +6647,7 @@
                                     </p:set>
                                     <p:animEffect transition="in" filter="dissolve">
                                       <p:cBhvr>
-                                        <p:cTn id="10" dur="500"/>
+                                        <p:cTn id="7" dur="500"/>
                                         <p:tgtEl>
                                           <p:spTgt spid="483333">
                                             <p:txEl>
@@ -6764,26 +6667,26 @@
                     </p:cTn>
                   </p:par>
                   <p:par>
-                    <p:cTn id="11" fill="hold">
+                    <p:cTn id="8" fill="hold">
                       <p:stCondLst>
                         <p:cond delay="indefinite"/>
                       </p:stCondLst>
                       <p:childTnLst>
                         <p:par>
-                          <p:cTn id="12" fill="hold">
+                          <p:cTn id="9" fill="hold">
                             <p:stCondLst>
                               <p:cond delay="0"/>
                             </p:stCondLst>
                             <p:childTnLst>
                               <p:par>
-                                <p:cTn id="13" presetID="1" presetClass="entr" presetSubtype="0" fill="hold" nodeType="clickEffect">
+                                <p:cTn id="10" presetID="1" presetClass="entr" presetSubtype="0" fill="hold" nodeType="clickEffect">
                                   <p:stCondLst>
                                     <p:cond delay="0"/>
                                   </p:stCondLst>
                                   <p:childTnLst>
                                     <p:set>
                                       <p:cBhvr>
-                                        <p:cTn id="14" dur="1" fill="hold">
+                                        <p:cTn id="11" dur="1" fill="hold">
                                           <p:stCondLst>
                                             <p:cond delay="0"/>
                                           </p:stCondLst>
@@ -6810,20 +6713,20 @@
                           </p:cTn>
                         </p:par>
                         <p:par>
-                          <p:cTn id="15" fill="hold">
+                          <p:cTn id="12" fill="hold">
                             <p:stCondLst>
                               <p:cond delay="0"/>
                             </p:stCondLst>
                             <p:childTnLst>
                               <p:par>
-                                <p:cTn id="16" presetID="22" presetClass="entr" presetSubtype="8" fill="hold" nodeType="afterEffect">
+                                <p:cTn id="13" presetID="22" presetClass="entr" presetSubtype="8" fill="hold" nodeType="afterEffect">
                                   <p:stCondLst>
                                     <p:cond delay="0"/>
                                   </p:stCondLst>
                                   <p:childTnLst>
                                     <p:set>
                                       <p:cBhvr>
-                                        <p:cTn id="17" dur="1" fill="hold">
+                                        <p:cTn id="14" dur="1" fill="hold">
                                           <p:stCondLst>
                                             <p:cond delay="0"/>
                                           </p:stCondLst>
@@ -6841,7 +6744,7 @@
                                     </p:set>
                                     <p:animEffect transition="in" filter="wipe(left)">
                                       <p:cBhvr>
-                                        <p:cTn id="18" dur="1000"/>
+                                        <p:cTn id="15" dur="1000"/>
                                         <p:tgtEl>
                                           <p:spTgt spid="483334"/>
                                         </p:tgtEl>
@@ -6877,9 +6780,6 @@
         </p:cTn>
       </p:par>
     </p:tnLst>
-    <p:bldLst>
-      <p:bldP spid="483335" grpId="0" animBg="1"/>
-    </p:bldLst>
   </p:timing>
 </p:sld>
 </file>
@@ -6918,11 +6818,11 @@
           <a:p>
             <a:pPr eaLnBrk="1" hangingPunct="1"/>
             <a:r>
-              <a:rPr lang="en-US" smtClean="0"/>
+              <a:rPr lang="en-US" dirty="0" smtClean="0"/>
               <a:t>Little Oh:   </a:t>
             </a:r>
             <a:r>
-              <a:rPr lang="en-US" smtClean="0">
+              <a:rPr lang="en-US" dirty="0" smtClean="0">
                 <a:solidFill>
                   <a:srgbClr val="FF33CC"/>
                 </a:solidFill>
@@ -6987,7 +6887,7 @@
           <a:graphicData uri="http://schemas.openxmlformats.org/presentationml/2006/ole">
             <mc:AlternateContent xmlns:mc="http://schemas.openxmlformats.org/markup-compatibility/2006">
               <mc:Choice xmlns:v="urn:schemas-microsoft-com:vml" Requires="v">
-                <p:oleObj spid="_x0000_s154631" name="Equation" r:id="rId4" imgW="647700" imgH="241300" progId="Equation.DSMT4">
+                <p:oleObj spid="_x0000_s154636" name="Equation" r:id="rId4" imgW="647700" imgH="241300" progId="Equation.DSMT4">
                   <p:embed/>
                 </p:oleObj>
               </mc:Choice>
@@ -7057,7 +6957,7 @@
           <a:graphicData uri="http://schemas.openxmlformats.org/presentationml/2006/ole">
             <mc:AlternateContent xmlns:mc="http://schemas.openxmlformats.org/markup-compatibility/2006">
               <mc:Choice xmlns:v="urn:schemas-microsoft-com:vml" Requires="v">
-                <p:oleObj spid="_x0000_s154632" name="Equation" r:id="rId6" imgW="1130300" imgH="444500" progId="Equation.DSMT4">
+                <p:oleObj spid="_x0000_s154637" name="Equation" r:id="rId6" imgW="1130300" imgH="444500" progId="Equation.DSMT4">
                   <p:embed/>
                 </p:oleObj>
               </mc:Choice>
@@ -7116,6 +7016,18 @@
   <p:clrMapOvr>
     <a:masterClrMapping/>
   </p:clrMapOvr>
+  <mc:AlternateContent xmlns:mc="http://schemas.openxmlformats.org/markup-compatibility/2006">
+    <mc:Choice xmlns:p14="http://schemas.microsoft.com/office/powerpoint/2010/main" Requires="p14">
+      <p:transition spd="med" p14:dur="700">
+        <p:fade/>
+      </p:transition>
+    </mc:Choice>
+    <mc:Fallback>
+      <p:transition xmlns:p14="http://schemas.microsoft.com/office/powerpoint/2010/main" spd="med">
+        <p:fade/>
+      </p:transition>
+    </mc:Fallback>
+  </mc:AlternateContent>
   <p:timing>
     <p:tnLst>
       <p:par>
@@ -7137,7 +7049,7 @@
                             </p:stCondLst>
                             <p:childTnLst>
                               <p:par>
-                                <p:cTn id="5" presetID="1" presetClass="entr" presetSubtype="0" fill="hold" grpId="0" nodeType="clickEffect">
+                                <p:cTn id="5" presetID="9" presetClass="entr" presetSubtype="0" fill="hold" grpId="1" nodeType="clickEffect">
                                   <p:stCondLst>
                                     <p:cond delay="0"/>
                                   </p:stCondLst>
@@ -7160,6 +7072,14 @@
                                         <p:strVal val="visible"/>
                                       </p:to>
                                     </p:set>
+                                    <p:animEffect transition="in" filter="dissolve">
+                                      <p:cBhvr>
+                                        <p:cTn id="7" dur="500"/>
+                                        <p:tgtEl>
+                                          <p:spTgt spid="50180"/>
+                                        </p:tgtEl>
+                                      </p:cBhvr>
+                                    </p:animEffect>
                                   </p:childTnLst>
                                 </p:cTn>
                               </p:par>
@@ -7170,26 +7090,26 @@
                     </p:cTn>
                   </p:par>
                   <p:par>
-                    <p:cTn id="7" fill="hold">
+                    <p:cTn id="8" fill="hold">
                       <p:stCondLst>
                         <p:cond delay="indefinite"/>
                       </p:stCondLst>
                       <p:childTnLst>
                         <p:par>
-                          <p:cTn id="8" fill="hold">
+                          <p:cTn id="9" fill="hold">
                             <p:stCondLst>
                               <p:cond delay="0"/>
                             </p:stCondLst>
                             <p:childTnLst>
                               <p:par>
-                                <p:cTn id="9" presetID="22" presetClass="entr" presetSubtype="8" fill="hold" nodeType="clickEffect">
+                                <p:cTn id="10" presetID="22" presetClass="entr" presetSubtype="8" fill="hold" nodeType="clickEffect">
                                   <p:stCondLst>
                                     <p:cond delay="0"/>
                                   </p:stCondLst>
                                   <p:childTnLst>
                                     <p:set>
                                       <p:cBhvr>
-                                        <p:cTn id="10" dur="1" fill="hold">
+                                        <p:cTn id="11" dur="1" fill="hold">
                                           <p:stCondLst>
                                             <p:cond delay="0"/>
                                           </p:stCondLst>
@@ -7207,7 +7127,7 @@
                                     </p:set>
                                     <p:animEffect transition="in" filter="wipe(left)">
                                       <p:cBhvr>
-                                        <p:cTn id="11" dur="1000"/>
+                                        <p:cTn id="12" dur="1000"/>
                                         <p:tgtEl>
                                           <p:spTgt spid="9"/>
                                         </p:tgtEl>
@@ -7244,7 +7164,7 @@
       </p:par>
     </p:tnLst>
     <p:bldLst>
-      <p:bldP spid="50180" grpId="0"/>
+      <p:bldP spid="50180" grpId="1"/>
     </p:bldLst>
   </p:timing>
 </p:sld>
@@ -7267,29 +7187,6 @@
           <a:chExt cx="0" cy="0"/>
         </a:xfrm>
       </p:grpSpPr>
-      <p:sp>
-        <p:nvSpPr>
-          <p:cNvPr id="14340" name="Rectangle 1026"/>
-          <p:cNvSpPr>
-            <a:spLocks noGrp="1" noChangeArrowheads="1"/>
-          </p:cNvSpPr>
-          <p:nvPr>
-            <p:ph type="title"/>
-          </p:nvPr>
-        </p:nvSpPr>
-        <p:spPr/>
-        <p:txBody>
-          <a:bodyPr/>
-          <a:lstStyle/>
-          <a:p>
-            <a:pPr eaLnBrk="1" hangingPunct="1"/>
-            <a:r>
-              <a:rPr lang="en-US" smtClean="0"/>
-              <a:t>Big Oh</a:t>
-            </a:r>
-          </a:p>
-        </p:txBody>
-      </p:sp>
       <p:sp>
         <p:nvSpPr>
           <p:cNvPr id="14341" name="Rectangle 1027"/>
@@ -7453,7 +7350,7 @@
           <a:graphicData uri="http://schemas.openxmlformats.org/presentationml/2006/ole">
             <mc:AlternateContent xmlns:mc="http://schemas.openxmlformats.org/markup-compatibility/2006">
               <mc:Choice xmlns:v="urn:schemas-microsoft-com:vml" Requires="v">
-                <p:oleObj spid="_x0000_s155653" name="Equation" r:id="rId4" imgW="1689100" imgH="482600" progId="Equation.DSMT4">
+                <p:oleObj spid="_x0000_s155656" name="Equation" r:id="rId4" imgW="1689100" imgH="482600" progId="Equation.DSMT4">
                   <p:embed/>
                 </p:oleObj>
               </mc:Choice>
@@ -7583,48 +7480,36 @@
           </a:p>
         </p:txBody>
       </p:sp>
-      <p:sp useBgFill="1">
+      <p:sp>
         <p:nvSpPr>
-          <p:cNvPr id="487437" name="Rectangle 1037"/>
+          <p:cNvPr id="10" name="Rectangle 2"/>
           <p:cNvSpPr>
-            <a:spLocks noChangeArrowheads="1"/>
+            <a:spLocks noGrp="1" noChangeArrowheads="1"/>
           </p:cNvSpPr>
-          <p:nvPr/>
+          <p:nvPr>
+            <p:ph type="title"/>
+          </p:nvPr>
         </p:nvSpPr>
-        <p:spPr bwMode="auto">
+        <p:spPr>
           <a:xfrm>
-            <a:off x="1460500" y="0"/>
-            <a:ext cx="7543800" cy="1143000"/>
+            <a:off x="1143000" y="152400"/>
+            <a:ext cx="7239000" cy="914400"/>
           </a:xfrm>
-          <a:prstGeom prst="rect">
-            <a:avLst/>
-          </a:prstGeom>
-          <a:ln w="9525">
-            <a:noFill/>
-            <a:miter lim="800000"/>
-            <a:headEnd/>
-            <a:tailEnd/>
-          </a:ln>
         </p:spPr>
         <p:txBody>
-          <a:bodyPr anchor="ctr"/>
+          <a:bodyPr/>
           <a:lstStyle/>
           <a:p>
-            <a:r>
-              <a:rPr lang="en-US" sz="3200" b="1">
-                <a:solidFill>
-                  <a:schemeClr val="tx2"/>
-                </a:solidFill>
-                <a:latin typeface="Comic Sans MS" pitchFamily="66" charset="0"/>
-              </a:rPr>
-              <a:t>Big Oh:   </a:t>
-            </a:r>
-            <a:r>
-              <a:rPr lang="en-US" sz="3200" b="1">
+            <a:pPr eaLnBrk="1" hangingPunct="1"/>
+            <a:r>
+              <a:rPr lang="en-US" dirty="0" smtClean="0"/>
+              <a:t>Big Oh: </a:t>
+            </a:r>
+            <a:r>
+              <a:rPr lang="en-US" dirty="0" smtClean="0">
                 <a:solidFill>
                   <a:srgbClr val="FF33CC"/>
                 </a:solidFill>
-                <a:latin typeface="Comic Sans MS" pitchFamily="66" charset="0"/>
               </a:rPr>
               <a:t>O(∙)</a:t>
             </a:r>
@@ -7694,41 +7579,6 @@
                                   </p:childTnLst>
                                 </p:cTn>
                               </p:par>
-                              <p:par>
-                                <p:cTn id="8" presetID="9" presetClass="entr" presetSubtype="0" fill="hold" grpId="0" nodeType="withEffect">
-                                  <p:stCondLst>
-                                    <p:cond delay="0"/>
-                                  </p:stCondLst>
-                                  <p:childTnLst>
-                                    <p:set>
-                                      <p:cBhvr>
-                                        <p:cTn id="9" dur="1" fill="hold">
-                                          <p:stCondLst>
-                                            <p:cond delay="0"/>
-                                          </p:stCondLst>
-                                        </p:cTn>
-                                        <p:tgtEl>
-                                          <p:spTgt spid="487437"/>
-                                        </p:tgtEl>
-                                        <p:attrNameLst>
-                                          <p:attrName>style.visibility</p:attrName>
-                                        </p:attrNameLst>
-                                      </p:cBhvr>
-                                      <p:to>
-                                        <p:strVal val="visible"/>
-                                      </p:to>
-                                    </p:set>
-                                    <p:animEffect transition="in" filter="dissolve">
-                                      <p:cBhvr>
-                                        <p:cTn id="10" dur="500"/>
-                                        <p:tgtEl>
-                                          <p:spTgt spid="487437"/>
-                                        </p:tgtEl>
-                                      </p:cBhvr>
-                                    </p:animEffect>
-                                  </p:childTnLst>
-                                </p:cTn>
-                              </p:par>
                             </p:childTnLst>
                           </p:cTn>
                         </p:par>
@@ -7736,26 +7586,26 @@
                     </p:cTn>
                   </p:par>
                   <p:par>
-                    <p:cTn id="11" fill="hold">
+                    <p:cTn id="8" fill="hold">
                       <p:stCondLst>
                         <p:cond delay="indefinite"/>
                       </p:stCondLst>
                       <p:childTnLst>
                         <p:par>
-                          <p:cTn id="12" fill="hold">
+                          <p:cTn id="9" fill="hold">
                             <p:stCondLst>
                               <p:cond delay="0"/>
                             </p:stCondLst>
                             <p:childTnLst>
                               <p:par>
-                                <p:cTn id="13" presetID="22" presetClass="entr" presetSubtype="8" fill="hold" nodeType="clickEffect">
+                                <p:cTn id="10" presetID="22" presetClass="entr" presetSubtype="8" fill="hold" nodeType="clickEffect">
                                   <p:stCondLst>
                                     <p:cond delay="0"/>
                                   </p:stCondLst>
                                   <p:childTnLst>
                                     <p:set>
                                       <p:cBhvr>
-                                        <p:cTn id="14" dur="1" fill="hold">
+                                        <p:cTn id="11" dur="1" fill="hold">
                                           <p:stCondLst>
                                             <p:cond delay="0"/>
                                           </p:stCondLst>
@@ -7773,7 +7623,7 @@
                                     </p:set>
                                     <p:animEffect transition="in" filter="wipe(left)">
                                       <p:cBhvr>
-                                        <p:cTn id="15" dur="1000"/>
+                                        <p:cTn id="12" dur="1000"/>
                                         <p:tgtEl>
                                           <p:spTgt spid="487430"/>
                                         </p:tgtEl>
@@ -7789,26 +7639,26 @@
                     </p:cTn>
                   </p:par>
                   <p:par>
-                    <p:cTn id="16" fill="hold">
+                    <p:cTn id="13" fill="hold">
                       <p:stCondLst>
                         <p:cond delay="indefinite"/>
                       </p:stCondLst>
                       <p:childTnLst>
                         <p:par>
-                          <p:cTn id="17" fill="hold">
+                          <p:cTn id="14" fill="hold">
                             <p:stCondLst>
                               <p:cond delay="0"/>
                             </p:stCondLst>
                             <p:childTnLst>
                               <p:par>
-                                <p:cTn id="18" presetID="22" presetClass="entr" presetSubtype="2" fill="hold" grpId="0" nodeType="clickEffect">
+                                <p:cTn id="15" presetID="22" presetClass="entr" presetSubtype="2" fill="hold" grpId="0" nodeType="clickEffect">
                                   <p:stCondLst>
                                     <p:cond delay="0"/>
                                   </p:stCondLst>
                                   <p:childTnLst>
                                     <p:set>
                                       <p:cBhvr>
-                                        <p:cTn id="19" dur="1" fill="hold">
+                                        <p:cTn id="16" dur="1" fill="hold">
                                           <p:stCondLst>
                                             <p:cond delay="0"/>
                                           </p:stCondLst>
@@ -7826,7 +7676,7 @@
                                     </p:set>
                                     <p:animEffect transition="in" filter="wipe(right)">
                                       <p:cBhvr>
-                                        <p:cTn id="20" dur="500"/>
+                                        <p:cTn id="17" dur="500"/>
                                         <p:tgtEl>
                                           <p:spTgt spid="487431"/>
                                         </p:tgtEl>
@@ -7839,20 +7689,20 @@
                           </p:cTn>
                         </p:par>
                         <p:par>
-                          <p:cTn id="21" fill="hold">
+                          <p:cTn id="18" fill="hold">
                             <p:stCondLst>
                               <p:cond delay="500"/>
                             </p:stCondLst>
                             <p:childTnLst>
                               <p:par>
-                                <p:cTn id="22" presetID="22" presetClass="entr" presetSubtype="1" fill="hold" nodeType="afterEffect">
+                                <p:cTn id="19" presetID="22" presetClass="entr" presetSubtype="1" fill="hold" nodeType="afterEffect">
                                   <p:stCondLst>
                                     <p:cond delay="0"/>
                                   </p:stCondLst>
                                   <p:childTnLst>
                                     <p:set>
                                       <p:cBhvr>
-                                        <p:cTn id="23" dur="1" fill="hold">
+                                        <p:cTn id="20" dur="1" fill="hold">
                                           <p:stCondLst>
                                             <p:cond delay="0"/>
                                           </p:stCondLst>
@@ -7874,7 +7724,7 @@
                                     </p:set>
                                     <p:animEffect transition="in" filter="wipe(up)">
                                       <p:cBhvr>
-                                        <p:cTn id="24" dur="1000"/>
+                                        <p:cTn id="21" dur="1000"/>
                                         <p:tgtEl>
                                           <p:spTgt spid="487432">
                                             <p:txEl>
@@ -7917,7 +7767,6 @@
     <p:bldLst>
       <p:bldP spid="487429" grpId="0"/>
       <p:bldP spid="487431" grpId="0" animBg="1"/>
-      <p:bldP spid="487437" grpId="0" animBg="1"/>
     </p:bldLst>
   </p:timing>
 </p:sld>
@@ -8026,7 +7875,7 @@
           <a:graphicData uri="http://schemas.openxmlformats.org/presentationml/2006/ole">
             <mc:AlternateContent xmlns:mc="http://schemas.openxmlformats.org/markup-compatibility/2006">
               <mc:Choice xmlns:v="urn:schemas-microsoft-com:vml" Requires="v">
-                <p:oleObj spid="_x0000_s156679" name="Equation" r:id="rId4" imgW="787320" imgH="228600" progId="Equation.DSMT4">
+                <p:oleObj spid="_x0000_s156684" name="Equation" r:id="rId4" imgW="787320" imgH="228600" progId="Equation.DSMT4">
                   <p:embed/>
                 </p:oleObj>
               </mc:Choice>
@@ -8096,7 +7945,7 @@
           <a:graphicData uri="http://schemas.openxmlformats.org/presentationml/2006/ole">
             <mc:AlternateContent xmlns:mc="http://schemas.openxmlformats.org/markup-compatibility/2006">
               <mc:Choice xmlns:v="urn:schemas-microsoft-com:vml" Requires="v">
-                <p:oleObj spid="_x0000_s156680" name="Equation" r:id="rId6" imgW="1028700" imgH="444500" progId="Equation.DSMT4">
+                <p:oleObj spid="_x0000_s156685" name="Equation" r:id="rId6" imgW="1028700" imgH="444500" progId="Equation.DSMT4">
                   <p:embed/>
                 </p:oleObj>
               </mc:Choice>
@@ -8685,6 +8534,18 @@
   <p:clrMapOvr>
     <a:masterClrMapping/>
   </p:clrMapOvr>
+  <mc:AlternateContent xmlns:mc="http://schemas.openxmlformats.org/markup-compatibility/2006">
+    <mc:Choice xmlns:p14="http://schemas.microsoft.com/office/powerpoint/2010/main" Requires="p14">
+      <p:transition spd="med" p14:dur="700">
+        <p:fade/>
+      </p:transition>
+    </mc:Choice>
+    <mc:Fallback>
+      <p:transition xmlns:p14="http://schemas.microsoft.com/office/powerpoint/2010/main" spd="med">
+        <p:fade/>
+      </p:transition>
+    </mc:Fallback>
+  </mc:AlternateContent>
   <p:timing>
     <p:tnLst>
       <p:par>
@@ -8706,7 +8567,7 @@
                             </p:stCondLst>
                             <p:childTnLst>
                               <p:par>
-                                <p:cTn id="5" presetID="1" presetClass="entr" presetSubtype="0" fill="hold" grpId="0" nodeType="clickEffect">
+                                <p:cTn id="5" presetID="22" presetClass="entr" presetSubtype="1" fill="hold" grpId="0" nodeType="clickEffect">
                                   <p:stCondLst>
                                     <p:cond delay="0"/>
                                   </p:stCondLst>
@@ -8729,6 +8590,14 @@
                                         <p:strVal val="visible"/>
                                       </p:to>
                                     </p:set>
+                                    <p:animEffect transition="in" filter="wipe(up)">
+                                      <p:cBhvr>
+                                        <p:cTn id="7" dur="500"/>
+                                        <p:tgtEl>
+                                          <p:spTgt spid="488454"/>
+                                        </p:tgtEl>
+                                      </p:cBhvr>
+                                    </p:animEffect>
                                   </p:childTnLst>
                                 </p:cTn>
                               </p:par>
@@ -9214,7 +9083,7 @@
               <a:t>Θ</a:t>
             </a:r>
             <a:r>
-              <a:rPr lang="en-US" sz="4400" dirty="0" err="1" smtClean="0">
+              <a:rPr lang="en-US" sz="4400" dirty="0" smtClean="0">
                 <a:solidFill>
                   <a:srgbClr val="FF33CC"/>
                 </a:solidFill>
@@ -9222,7 +9091,7 @@
               <a:t>(</a:t>
             </a:r>
             <a:r>
-              <a:rPr lang="en-US" sz="4400" dirty="0" err="1" smtClean="0">
+              <a:rPr lang="en-US" sz="4400" dirty="0" smtClean="0">
                 <a:solidFill>
                   <a:srgbClr val="0000FF"/>
                 </a:solidFill>
@@ -9268,8 +9137,21 @@
               <a:t> </a:t>
             </a:r>
             <a:r>
-              <a:rPr lang="en-US" sz="4400" dirty="0" smtClean="0"/>
-              <a:t>&amp;</a:t>
+              <a:rPr lang="en-US" sz="4400" dirty="0" smtClean="0">
+                <a:solidFill>
+                  <a:srgbClr val="FF3399"/>
+                </a:solidFill>
+              </a:rPr>
+              <a:t>roughly </a:t>
+            </a:r>
+            <a:r>
+              <a:rPr lang="en-US" sz="4400" dirty="0" smtClean="0">
+                <a:solidFill>
+                  <a:srgbClr val="FF3399"/>
+                </a:solidFill>
+                <a:sym typeface="Euclid Symbol"/>
+              </a:rPr>
+              <a:t>equal</a:t>
             </a:r>
             <a:r>
               <a:rPr lang="en-US" sz="4400" dirty="0" smtClean="0">
@@ -9282,39 +9164,12 @@
               <a:t> </a:t>
             </a:r>
             <a:r>
-              <a:rPr lang="en-US" sz="4400" dirty="0" smtClean="0">
+              <a:rPr lang="en-US" sz="4400" dirty="0">
                 <a:solidFill>
                   <a:srgbClr val="0000FF"/>
                 </a:solidFill>
               </a:rPr>
               <a:t>g</a:t>
-            </a:r>
-            <a:r>
-              <a:rPr lang="en-US" sz="4400" dirty="0" smtClean="0">
-                <a:solidFill>
-                  <a:schemeClr val="accent1">
-                    <a:lumMod val="50000"/>
-                  </a:schemeClr>
-                </a:solidFill>
-              </a:rPr>
-              <a:t> </a:t>
-            </a:r>
-            <a:r>
-              <a:rPr lang="en-US" sz="4400" dirty="0" smtClean="0">
-                <a:solidFill>
-                  <a:srgbClr val="FF3399"/>
-                </a:solidFill>
-              </a:rPr>
-              <a:t>roughly </a:t>
-            </a:r>
-            <a:r>
-              <a:rPr lang="en-US" sz="4400" dirty="0" smtClean="0">
-                <a:solidFill>
-                  <a:srgbClr val="FF3399"/>
-                </a:solidFill>
-                <a:sym typeface="Euclid Symbol"/>
-              </a:rPr>
-              <a:t>equal</a:t>
             </a:r>
             <a:endParaRPr lang="en-US" sz="4400" dirty="0" smtClean="0">
               <a:solidFill>
@@ -9331,6 +9186,18 @@
   <p:clrMapOvr>
     <a:masterClrMapping/>
   </p:clrMapOvr>
+  <mc:AlternateContent xmlns:mc="http://schemas.openxmlformats.org/markup-compatibility/2006">
+    <mc:Choice xmlns:p14="http://schemas.microsoft.com/office/powerpoint/2010/main" Requires="p14">
+      <p:transition spd="med" p14:dur="700">
+        <p:fade/>
+      </p:transition>
+    </mc:Choice>
+    <mc:Fallback>
+      <p:transition xmlns:p14="http://schemas.microsoft.com/office/powerpoint/2010/main" spd="med">
+        <p:fade/>
+      </p:transition>
+    </mc:Fallback>
+  </mc:AlternateContent>
   <p:timing>
     <p:tnLst>
       <p:par>
@@ -10452,7 +10319,7 @@
           <a:graphicData uri="http://schemas.openxmlformats.org/presentationml/2006/ole">
             <mc:AlternateContent xmlns:mc="http://schemas.openxmlformats.org/markup-compatibility/2006">
               <mc:Choice xmlns:v="urn:schemas-microsoft-com:vml" Requires="v">
-                <p:oleObj spid="_x0000_s144391" name="Equation" r:id="rId4" imgW="1904760" imgH="431640" progId="Equation.DSMT4">
+                <p:oleObj spid="_x0000_s144396" name="Equation" r:id="rId4" imgW="1904760" imgH="431640" progId="Equation.DSMT4">
                   <p:embed/>
                 </p:oleObj>
               </mc:Choice>
@@ -10878,7 +10745,7 @@
           <a:graphicData uri="http://schemas.openxmlformats.org/presentationml/2006/ole">
             <mc:AlternateContent xmlns:mc="http://schemas.openxmlformats.org/markup-compatibility/2006">
               <mc:Choice xmlns:v="urn:schemas-microsoft-com:vml" Requires="v">
-                <p:oleObj spid="_x0000_s144392" name="Equation" r:id="rId6" imgW="596880" imgH="431640" progId="Equation.DSMT4">
+                <p:oleObj spid="_x0000_s144397" name="Equation" r:id="rId6" imgW="596880" imgH="431640" progId="Equation.DSMT4">
                   <p:embed/>
                 </p:oleObj>
               </mc:Choice>
@@ -12149,7 +12016,7 @@
             <a:graphicData uri="http://schemas.openxmlformats.org/presentationml/2006/ole">
               <mc:AlternateContent xmlns:mc="http://schemas.openxmlformats.org/markup-compatibility/2006">
                 <mc:Choice xmlns:v="urn:schemas-microsoft-com:vml" Requires="v">
-                  <p:oleObj spid="_x0000_s157703" name="Equation" r:id="rId4" imgW="152280" imgH="419040" progId="Equation.DSMT4">
+                  <p:oleObj spid="_x0000_s157708" name="Equation" r:id="rId4" imgW="152280" imgH="419040" progId="Equation.DSMT4">
                     <p:embed/>
                   </p:oleObj>
                 </mc:Choice>
@@ -12313,7 +12180,7 @@
             <a:graphicData uri="http://schemas.openxmlformats.org/presentationml/2006/ole">
               <mc:AlternateContent xmlns:mc="http://schemas.openxmlformats.org/markup-compatibility/2006">
                 <mc:Choice xmlns:v="urn:schemas-microsoft-com:vml" Requires="v">
-                  <p:oleObj spid="_x0000_s157704" name="Equation" r:id="rId6" imgW="152280" imgH="444240" progId="Equation.DSMT4">
+                  <p:oleObj spid="_x0000_s157709" name="Equation" r:id="rId6" imgW="152280" imgH="444240" progId="Equation.DSMT4">
                     <p:embed/>
                   </p:oleObj>
                 </mc:Choice>
@@ -15089,7 +14956,7 @@
           <a:graphicData uri="http://schemas.openxmlformats.org/presentationml/2006/ole">
             <mc:AlternateContent xmlns:mc="http://schemas.openxmlformats.org/markup-compatibility/2006">
               <mc:Choice xmlns:v="urn:schemas-microsoft-com:vml" Requires="v">
-                <p:oleObj spid="_x0000_s158727" name="Equation" r:id="rId4" imgW="672840" imgH="419040" progId="Equation.DSMT4">
+                <p:oleObj spid="_x0000_s158732" name="Equation" r:id="rId4" imgW="672840" imgH="419040" progId="Equation.DSMT4">
                   <p:embed/>
                 </p:oleObj>
               </mc:Choice>
@@ -15330,7 +15197,7 @@
           <a:graphicData uri="http://schemas.openxmlformats.org/presentationml/2006/ole">
             <mc:AlternateContent xmlns:mc="http://schemas.openxmlformats.org/markup-compatibility/2006">
               <mc:Choice xmlns:v="urn:schemas-microsoft-com:vml" Requires="v">
-                <p:oleObj spid="_x0000_s158728" name="Equation" r:id="rId6" imgW="685800" imgH="431800" progId="Equation.DSMT4">
+                <p:oleObj spid="_x0000_s158733" name="Equation" r:id="rId6" imgW="685800" imgH="431800" progId="Equation.DSMT4">
                   <p:embed/>
                 </p:oleObj>
               </mc:Choice>
@@ -16282,7 +16149,7 @@
           <a:graphicData uri="http://schemas.openxmlformats.org/presentationml/2006/ole">
             <mc:AlternateContent xmlns:mc="http://schemas.openxmlformats.org/markup-compatibility/2006">
               <mc:Choice xmlns:v="urn:schemas-microsoft-com:vml" Requires="v">
-                <p:oleObj spid="_x0000_s159753" name="Equation" r:id="rId4" imgW="431640" imgH="431640" progId="Equation.DSMT4">
+                <p:oleObj spid="_x0000_s159760" name="Equation" r:id="rId4" imgW="431640" imgH="431640" progId="Equation.DSMT4">
                   <p:embed/>
                 </p:oleObj>
               </mc:Choice>
@@ -16352,7 +16219,7 @@
           <a:graphicData uri="http://schemas.openxmlformats.org/presentationml/2006/ole">
             <mc:AlternateContent xmlns:mc="http://schemas.openxmlformats.org/markup-compatibility/2006">
               <mc:Choice xmlns:v="urn:schemas-microsoft-com:vml" Requires="v">
-                <p:oleObj spid="_x0000_s159754" name="Equation" r:id="rId6" imgW="1066680" imgH="431640" progId="Equation.DSMT4">
+                <p:oleObj spid="_x0000_s159761" name="Equation" r:id="rId6" imgW="1066680" imgH="431640" progId="Equation.DSMT4">
                   <p:embed/>
                 </p:oleObj>
               </mc:Choice>
@@ -16422,7 +16289,7 @@
           <a:graphicData uri="http://schemas.openxmlformats.org/presentationml/2006/ole">
             <mc:AlternateContent xmlns:mc="http://schemas.openxmlformats.org/markup-compatibility/2006">
               <mc:Choice xmlns:v="urn:schemas-microsoft-com:vml" Requires="v">
-                <p:oleObj spid="_x0000_s159755" name="Equation" r:id="rId8" imgW="749160" imgH="419040" progId="Equation.DSMT4">
+                <p:oleObj spid="_x0000_s159762" name="Equation" r:id="rId8" imgW="749160" imgH="419040" progId="Equation.DSMT4">
                   <p:embed/>
                 </p:oleObj>
               </mc:Choice>
@@ -16810,7 +16677,7 @@
           <a:graphicData uri="http://schemas.openxmlformats.org/presentationml/2006/ole">
             <mc:AlternateContent xmlns:mc="http://schemas.openxmlformats.org/markup-compatibility/2006">
               <mc:Choice xmlns:v="urn:schemas-microsoft-com:vml" Requires="v">
-                <p:oleObj spid="_x0000_s160781" name="Equation" r:id="rId4" imgW="609480" imgH="253800" progId="Equation.DSMT4">
+                <p:oleObj spid="_x0000_s160792" name="Equation" r:id="rId4" imgW="609480" imgH="253800" progId="Equation.DSMT4">
                   <p:embed/>
                 </p:oleObj>
               </mc:Choice>
@@ -16880,7 +16747,7 @@
           <a:graphicData uri="http://schemas.openxmlformats.org/presentationml/2006/ole">
             <mc:AlternateContent xmlns:mc="http://schemas.openxmlformats.org/markup-compatibility/2006">
               <mc:Choice xmlns:v="urn:schemas-microsoft-com:vml" Requires="v">
-                <p:oleObj spid="_x0000_s160782" name="Equation" r:id="rId6" imgW="114120" imgH="215640" progId="Equation.3">
+                <p:oleObj spid="_x0000_s160793" name="Equation" r:id="rId6" imgW="114120" imgH="215640" progId="Equation.3">
                   <p:embed/>
                 </p:oleObj>
               </mc:Choice>
@@ -16950,7 +16817,7 @@
           <a:graphicData uri="http://schemas.openxmlformats.org/presentationml/2006/ole">
             <mc:AlternateContent xmlns:mc="http://schemas.openxmlformats.org/markup-compatibility/2006">
               <mc:Choice xmlns:v="urn:schemas-microsoft-com:vml" Requires="v">
-                <p:oleObj spid="_x0000_s160783" name="Equation" r:id="rId8" imgW="698400" imgH="419040" progId="Equation.DSMT4">
+                <p:oleObj spid="_x0000_s160794" name="Equation" r:id="rId8" imgW="698400" imgH="419040" progId="Equation.DSMT4">
                   <p:embed/>
                 </p:oleObj>
               </mc:Choice>
@@ -17020,7 +16887,7 @@
           <a:graphicData uri="http://schemas.openxmlformats.org/presentationml/2006/ole">
             <mc:AlternateContent xmlns:mc="http://schemas.openxmlformats.org/markup-compatibility/2006">
               <mc:Choice xmlns:v="urn:schemas-microsoft-com:vml" Requires="v">
-                <p:oleObj spid="_x0000_s160784" name="Equation" r:id="rId10" imgW="1066680" imgH="419040" progId="Equation.DSMT4">
+                <p:oleObj spid="_x0000_s160795" name="Equation" r:id="rId10" imgW="1066680" imgH="419040" progId="Equation.DSMT4">
                   <p:embed/>
                 </p:oleObj>
               </mc:Choice>
@@ -17236,7 +17103,7 @@
           <a:graphicData uri="http://schemas.openxmlformats.org/presentationml/2006/ole">
             <mc:AlternateContent xmlns:mc="http://schemas.openxmlformats.org/markup-compatibility/2006">
               <mc:Choice xmlns:v="urn:schemas-microsoft-com:vml" Requires="v">
-                <p:oleObj spid="_x0000_s160785" name="Equation" r:id="rId12" imgW="558720" imgH="419040" progId="Equation.DSMT4">
+                <p:oleObj spid="_x0000_s160796" name="Equation" r:id="rId12" imgW="558720" imgH="419040" progId="Equation.DSMT4">
                   <p:embed/>
                 </p:oleObj>
               </mc:Choice>
@@ -19907,7 +19774,7 @@
           <a:graphicData uri="http://schemas.openxmlformats.org/presentationml/2006/ole">
             <mc:AlternateContent xmlns:mc="http://schemas.openxmlformats.org/markup-compatibility/2006">
               <mc:Choice xmlns:v="urn:schemas-microsoft-com:vml" Requires="v">
-                <p:oleObj spid="_x0000_s145413" name="Equation" r:id="rId4" imgW="495000" imgH="431640" progId="Equation.DSMT4">
+                <p:oleObj spid="_x0000_s145416" name="Equation" r:id="rId4" imgW="495000" imgH="431640" progId="Equation.DSMT4">
                   <p:embed/>
                 </p:oleObj>
               </mc:Choice>
@@ -20743,7 +20610,7 @@
           <a:graphicData uri="http://schemas.openxmlformats.org/presentationml/2006/ole">
             <mc:AlternateContent xmlns:mc="http://schemas.openxmlformats.org/markup-compatibility/2006">
               <mc:Choice xmlns:v="urn:schemas-microsoft-com:vml" Requires="v">
-                <p:oleObj spid="_x0000_s161797" name="Equation" r:id="rId4" imgW="114120" imgH="215640" progId="Equation.3">
+                <p:oleObj spid="_x0000_s161800" name="Equation" r:id="rId4" imgW="114120" imgH="215640" progId="Equation.3">
                   <p:embed/>
                 </p:oleObj>
               </mc:Choice>
@@ -21326,7 +21193,7 @@
           <a:graphicData uri="http://schemas.openxmlformats.org/presentationml/2006/ole">
             <mc:AlternateContent xmlns:mc="http://schemas.openxmlformats.org/markup-compatibility/2006">
               <mc:Choice xmlns:v="urn:schemas-microsoft-com:vml" Requires="v">
-                <p:oleObj spid="_x0000_s162822" name="Equation" r:id="rId4" imgW="114120" imgH="215640" progId="Equation.3">
+                <p:oleObj spid="_x0000_s162825" name="Equation" r:id="rId4" imgW="114120" imgH="215640" progId="Equation.3">
                   <p:embed/>
                 </p:oleObj>
               </mc:Choice>
@@ -21591,7 +21458,7 @@
           <a:graphicData uri="http://schemas.openxmlformats.org/presentationml/2006/ole">
             <mc:AlternateContent xmlns:mc="http://schemas.openxmlformats.org/markup-compatibility/2006">
               <mc:Choice xmlns:v="urn:schemas-microsoft-com:vml" Requires="v">
-                <p:oleObj spid="_x0000_s163849" name="Equation" r:id="rId4" imgW="711000" imgH="431640" progId="Equation.DSMT4">
+                <p:oleObj spid="_x0000_s163856" name="Equation" r:id="rId4" imgW="711000" imgH="431640" progId="Equation.DSMT4">
                   <p:embed/>
                 </p:oleObj>
               </mc:Choice>
@@ -21661,7 +21528,7 @@
           <a:graphicData uri="http://schemas.openxmlformats.org/presentationml/2006/ole">
             <mc:AlternateContent xmlns:mc="http://schemas.openxmlformats.org/markup-compatibility/2006">
               <mc:Choice xmlns:v="urn:schemas-microsoft-com:vml" Requires="v">
-                <p:oleObj spid="_x0000_s163850" name="Equation" r:id="rId6" imgW="114120" imgH="215640" progId="Equation.3">
+                <p:oleObj spid="_x0000_s163857" name="Equation" r:id="rId6" imgW="114120" imgH="215640" progId="Equation.3">
                   <p:embed/>
                 </p:oleObj>
               </mc:Choice>
@@ -21770,7 +21637,7 @@
           <a:graphicData uri="http://schemas.openxmlformats.org/presentationml/2006/ole">
             <mc:AlternateContent xmlns:mc="http://schemas.openxmlformats.org/markup-compatibility/2006">
               <mc:Choice xmlns:v="urn:schemas-microsoft-com:vml" Requires="v">
-                <p:oleObj spid="_x0000_s163851" name="Equation" r:id="rId8" imgW="762000" imgH="495300" progId="Equation.DSMT4">
+                <p:oleObj spid="_x0000_s163858" name="Equation" r:id="rId8" imgW="762000" imgH="495300" progId="Equation.DSMT4">
                   <p:embed/>
                 </p:oleObj>
               </mc:Choice>
@@ -21997,7 +21864,7 @@
           <a:graphicData uri="http://schemas.openxmlformats.org/presentationml/2006/ole">
             <mc:AlternateContent xmlns:mc="http://schemas.openxmlformats.org/markup-compatibility/2006">
               <mc:Choice xmlns:v="urn:schemas-microsoft-com:vml" Requires="v">
-                <p:oleObj spid="_x0000_s164873" name="Equation" r:id="rId4" imgW="711000" imgH="431640" progId="Equation.DSMT4">
+                <p:oleObj spid="_x0000_s164880" name="Equation" r:id="rId4" imgW="711000" imgH="431640" progId="Equation.DSMT4">
                   <p:embed/>
                 </p:oleObj>
               </mc:Choice>
@@ -22226,7 +22093,7 @@
           <a:graphicData uri="http://schemas.openxmlformats.org/presentationml/2006/ole">
             <mc:AlternateContent xmlns:mc="http://schemas.openxmlformats.org/markup-compatibility/2006">
               <mc:Choice xmlns:v="urn:schemas-microsoft-com:vml" Requires="v">
-                <p:oleObj spid="_x0000_s164874" name="Equation" r:id="rId6" imgW="1765080" imgH="431640" progId="Equation.DSMT4">
+                <p:oleObj spid="_x0000_s164881" name="Equation" r:id="rId6" imgW="1765080" imgH="431640" progId="Equation.DSMT4">
                   <p:embed/>
                 </p:oleObj>
               </mc:Choice>
@@ -22321,7 +22188,7 @@
           <a:graphicData uri="http://schemas.openxmlformats.org/presentationml/2006/ole">
             <mc:AlternateContent xmlns:mc="http://schemas.openxmlformats.org/markup-compatibility/2006">
               <mc:Choice xmlns:v="urn:schemas-microsoft-com:vml" Requires="v">
-                <p:oleObj spid="_x0000_s164875" name="Equation" r:id="rId8" imgW="114120" imgH="215640" progId="Equation.3">
+                <p:oleObj spid="_x0000_s164882" name="Equation" r:id="rId8" imgW="114120" imgH="215640" progId="Equation.3">
                   <p:embed/>
                 </p:oleObj>
               </mc:Choice>
@@ -22862,7 +22729,7 @@
           <a:graphicData uri="http://schemas.openxmlformats.org/presentationml/2006/ole">
             <mc:AlternateContent xmlns:mc="http://schemas.openxmlformats.org/markup-compatibility/2006">
               <mc:Choice xmlns:v="urn:schemas-microsoft-com:vml" Requires="v">
-                <p:oleObj spid="_x0000_s146442" name="Equation" r:id="rId4" imgW="1612800" imgH="965160" progId="Equation.DSMT4">
+                <p:oleObj spid="_x0000_s146449" name="Equation" r:id="rId4" imgW="1612800" imgH="965160" progId="Equation.DSMT4">
                   <p:embed/>
                 </p:oleObj>
               </mc:Choice>
@@ -22948,7 +22815,7 @@
             <a:graphicData uri="http://schemas.openxmlformats.org/presentationml/2006/ole">
               <mc:AlternateContent xmlns:mc="http://schemas.openxmlformats.org/markup-compatibility/2006">
                 <mc:Choice xmlns:v="urn:schemas-microsoft-com:vml" Requires="v">
-                  <p:oleObj spid="_x0000_s146443" name="Equation" r:id="rId6" imgW="1218960" imgH="431640" progId="Equation.DSMT4">
+                  <p:oleObj spid="_x0000_s146450" name="Equation" r:id="rId6" imgW="1218960" imgH="431640" progId="Equation.DSMT4">
                     <p:embed/>
                   </p:oleObj>
                 </mc:Choice>
@@ -23100,7 +22967,7 @@
           <a:graphicData uri="http://schemas.openxmlformats.org/presentationml/2006/ole">
             <mc:AlternateContent xmlns:mc="http://schemas.openxmlformats.org/markup-compatibility/2006">
               <mc:Choice xmlns:v="urn:schemas-microsoft-com:vml" Requires="v">
-                <p:oleObj spid="_x0000_s146444" name="Equation" r:id="rId8" imgW="2108160" imgH="888840" progId="Equation.DSMT4">
+                <p:oleObj spid="_x0000_s146451" name="Equation" r:id="rId8" imgW="2108160" imgH="888840" progId="Equation.DSMT4">
                   <p:embed/>
                 </p:oleObj>
               </mc:Choice>
@@ -23319,7 +23186,7 @@
           <a:graphicData uri="http://schemas.openxmlformats.org/presentationml/2006/ole">
             <mc:AlternateContent xmlns:mc="http://schemas.openxmlformats.org/markup-compatibility/2006">
               <mc:Choice xmlns:v="urn:schemas-microsoft-com:vml" Requires="v">
-                <p:oleObj spid="_x0000_s211977" name="Equation" r:id="rId4" imgW="1612800" imgH="965160" progId="Equation.DSMT4">
+                <p:oleObj spid="_x0000_s211984" name="Equation" r:id="rId4" imgW="1612800" imgH="965160" progId="Equation.DSMT4">
                   <p:embed/>
                 </p:oleObj>
               </mc:Choice>
@@ -23389,7 +23256,7 @@
           <a:graphicData uri="http://schemas.openxmlformats.org/presentationml/2006/ole">
             <mc:AlternateContent xmlns:mc="http://schemas.openxmlformats.org/markup-compatibility/2006">
               <mc:Choice xmlns:v="urn:schemas-microsoft-com:vml" Requires="v">
-                <p:oleObj spid="_x0000_s211978" name="Equation" r:id="rId6" imgW="2159000" imgH="952500" progId="Equation.DSMT4">
+                <p:oleObj spid="_x0000_s211985" name="Equation" r:id="rId6" imgW="2159000" imgH="952500" progId="Equation.DSMT4">
                   <p:embed/>
                 </p:oleObj>
               </mc:Choice>
@@ -23468,7 +23335,7 @@
             <a:graphicData uri="http://schemas.openxmlformats.org/presentationml/2006/ole">
               <mc:AlternateContent xmlns:mc="http://schemas.openxmlformats.org/markup-compatibility/2006">
                 <mc:Choice xmlns:v="urn:schemas-microsoft-com:vml" Requires="v">
-                  <p:oleObj spid="_x0000_s211979" name="Equation" r:id="rId8" imgW="1218960" imgH="431640" progId="Equation.DSMT4">
+                  <p:oleObj spid="_x0000_s211986" name="Equation" r:id="rId8" imgW="1218960" imgH="431640" progId="Equation.DSMT4">
                     <p:embed/>
                   </p:oleObj>
                 </mc:Choice>
@@ -23842,7 +23709,7 @@
           <a:graphicData uri="http://schemas.openxmlformats.org/presentationml/2006/ole">
             <mc:AlternateContent xmlns:mc="http://schemas.openxmlformats.org/markup-compatibility/2006">
               <mc:Choice xmlns:v="urn:schemas-microsoft-com:vml" Requires="v">
-                <p:oleObj spid="_x0000_s147463" name="Equation" r:id="rId4" imgW="1714320" imgH="431640" progId="Equation.DSMT4">
+                <p:oleObj spid="_x0000_s147468" name="Equation" r:id="rId4" imgW="1714320" imgH="431640" progId="Equation.DSMT4">
                   <p:embed/>
                 </p:oleObj>
               </mc:Choice>
@@ -23914,7 +23781,7 @@
           <a:graphicData uri="http://schemas.openxmlformats.org/presentationml/2006/ole">
             <mc:AlternateContent xmlns:mc="http://schemas.openxmlformats.org/markup-compatibility/2006">
               <mc:Choice xmlns:v="urn:schemas-microsoft-com:vml" Requires="v">
-                <p:oleObj spid="_x0000_s147464" name="Equation" r:id="rId6" imgW="1041120" imgH="469800" progId="Equation.DSMT4">
+                <p:oleObj spid="_x0000_s147469" name="Equation" r:id="rId6" imgW="1041120" imgH="469800" progId="Equation.DSMT4">
                   <p:embed/>
                 </p:oleObj>
               </mc:Choice>
@@ -24289,7 +24156,7 @@
           <a:graphicData uri="http://schemas.openxmlformats.org/presentationml/2006/ole">
             <mc:AlternateContent xmlns:mc="http://schemas.openxmlformats.org/markup-compatibility/2006">
               <mc:Choice xmlns:v="urn:schemas-microsoft-com:vml" Requires="v">
-                <p:oleObj spid="_x0000_s149509" name="Equation" r:id="rId4" imgW="1790700" imgH="482600" progId="Equation.DSMT4">
+                <p:oleObj spid="_x0000_s149512" name="Equation" r:id="rId4" imgW="1790700" imgH="482600" progId="Equation.DSMT4">
                   <p:embed/>
                 </p:oleObj>
               </mc:Choice>
@@ -24435,7 +24302,18 @@
   <p:clrMapOvr>
     <a:masterClrMapping/>
   </p:clrMapOvr>
-  <p:transition xmlns:p14="http://schemas.microsoft.com/office/powerpoint/2010/main"/>
+  <mc:AlternateContent xmlns:mc="http://schemas.openxmlformats.org/markup-compatibility/2006">
+    <mc:Choice xmlns:p14="http://schemas.microsoft.com/office/powerpoint/2010/main" Requires="p14">
+      <p:transition spd="med" p14:dur="700">
+        <p:fade thruBlk="1"/>
+      </p:transition>
+    </mc:Choice>
+    <mc:Fallback>
+      <p:transition xmlns:p14="http://schemas.microsoft.com/office/powerpoint/2010/main" spd="med">
+        <p:fade thruBlk="1"/>
+      </p:transition>
+    </mc:Fallback>
+  </mc:AlternateContent>
   <p:timing>
     <p:tnLst>
       <p:par>
@@ -24555,7 +24433,7 @@
           <a:graphicData uri="http://schemas.openxmlformats.org/presentationml/2006/ole">
             <mc:AlternateContent xmlns:mc="http://schemas.openxmlformats.org/markup-compatibility/2006">
               <mc:Choice xmlns:v="urn:schemas-microsoft-com:vml" Requires="v">
-                <p:oleObj spid="_x0000_s148485" name="Equation" r:id="rId4" imgW="1028700" imgH="520700" progId="Equation.DSMT4">
+                <p:oleObj spid="_x0000_s148488" name="Equation" r:id="rId4" imgW="1028700" imgH="520700" progId="Equation.DSMT4">
                   <p:embed/>
                 </p:oleObj>
               </mc:Choice>
@@ -25297,7 +25175,7 @@
           <a:graphicData uri="http://schemas.openxmlformats.org/presentationml/2006/ole">
             <mc:AlternateContent xmlns:mc="http://schemas.openxmlformats.org/markup-compatibility/2006">
               <mc:Choice xmlns:v="urn:schemas-microsoft-com:vml" Requires="v">
-                <p:oleObj spid="_x0000_s150533" name="Equation" r:id="rId4" imgW="1625400" imgH="444240" progId="Equation.DSMT4">
+                <p:oleObj spid="_x0000_s150536" name="Equation" r:id="rId4" imgW="1625400" imgH="444240" progId="Equation.DSMT4">
                   <p:embed/>
                 </p:oleObj>
               </mc:Choice>

--- a/fall11/slidesF11/slides10m.pptx
+++ b/fall11/slidesF11/slides10m.pptx
@@ -5663,7 +5663,7 @@
           <a:graphicData uri="http://schemas.openxmlformats.org/presentationml/2006/ole">
             <mc:AlternateContent xmlns:mc="http://schemas.openxmlformats.org/markup-compatibility/2006">
               <mc:Choice xmlns:v="urn:schemas-microsoft-com:vml" Requires="v">
-                <p:oleObj spid="_x0000_s151560" name="Equation" r:id="rId4" imgW="1803240" imgH="685800" progId="Equation.DSMT4">
+                <p:oleObj spid="_x0000_s151562" name="Equation" r:id="rId4" imgW="1803240" imgH="685800" progId="Equation.DSMT4">
                   <p:embed/>
                 </p:oleObj>
               </mc:Choice>
@@ -6139,7 +6139,7 @@
           <a:graphicData uri="http://schemas.openxmlformats.org/presentationml/2006/ole">
             <mc:AlternateContent xmlns:mc="http://schemas.openxmlformats.org/markup-compatibility/2006">
               <mc:Choice xmlns:v="urn:schemas-microsoft-com:vml" Requires="v">
-                <p:oleObj spid="_x0000_s152584" name="Equation" r:id="rId4" imgW="1777680" imgH="1523880" progId="Equation.DSMT4">
+                <p:oleObj spid="_x0000_s152586" name="Equation" r:id="rId4" imgW="1777680" imgH="1523880" progId="Equation.DSMT4">
                   <p:embed/>
                 </p:oleObj>
               </mc:Choice>
@@ -6496,7 +6496,7 @@
           <a:graphicData uri="http://schemas.openxmlformats.org/presentationml/2006/ole">
             <mc:AlternateContent xmlns:mc="http://schemas.openxmlformats.org/markup-compatibility/2006">
               <mc:Choice xmlns:v="urn:schemas-microsoft-com:vml" Requires="v">
-                <p:oleObj spid="_x0000_s153608" name="Equation" r:id="rId4" imgW="1231900" imgH="457200" progId="Equation.DSMT4">
+                <p:oleObj spid="_x0000_s153610" name="Equation" r:id="rId4" imgW="1231900" imgH="457200" progId="Equation.DSMT4">
                   <p:embed/>
                 </p:oleObj>
               </mc:Choice>
@@ -6887,7 +6887,7 @@
           <a:graphicData uri="http://schemas.openxmlformats.org/presentationml/2006/ole">
             <mc:AlternateContent xmlns:mc="http://schemas.openxmlformats.org/markup-compatibility/2006">
               <mc:Choice xmlns:v="urn:schemas-microsoft-com:vml" Requires="v">
-                <p:oleObj spid="_x0000_s154636" name="Equation" r:id="rId4" imgW="647700" imgH="241300" progId="Equation.DSMT4">
+                <p:oleObj spid="_x0000_s154639" name="Equation" r:id="rId4" imgW="647700" imgH="241300" progId="Equation.DSMT4">
                   <p:embed/>
                 </p:oleObj>
               </mc:Choice>
@@ -6957,7 +6957,7 @@
           <a:graphicData uri="http://schemas.openxmlformats.org/presentationml/2006/ole">
             <mc:AlternateContent xmlns:mc="http://schemas.openxmlformats.org/markup-compatibility/2006">
               <mc:Choice xmlns:v="urn:schemas-microsoft-com:vml" Requires="v">
-                <p:oleObj spid="_x0000_s154637" name="Equation" r:id="rId6" imgW="1130300" imgH="444500" progId="Equation.DSMT4">
+                <p:oleObj spid="_x0000_s154640" name="Equation" r:id="rId6" imgW="1130300" imgH="444500" progId="Equation.DSMT4">
                   <p:embed/>
                 </p:oleObj>
               </mc:Choice>
@@ -7016,13 +7016,13 @@
   <p:clrMapOvr>
     <a:masterClrMapping/>
   </p:clrMapOvr>
-  <mc:AlternateContent xmlns:mc="http://schemas.openxmlformats.org/markup-compatibility/2006">
-    <mc:Choice xmlns:p14="http://schemas.microsoft.com/office/powerpoint/2010/main" Requires="p14">
+  <mc:AlternateContent xmlns:mc="http://schemas.openxmlformats.org/markup-compatibility/2006" xmlns:p14="http://schemas.microsoft.com/office/powerpoint/2010/main">
+    <mc:Choice Requires="p14">
       <p:transition spd="med" p14:dur="700">
         <p:fade/>
       </p:transition>
     </mc:Choice>
-    <mc:Fallback>
+    <mc:Fallback xmlns="">
       <p:transition xmlns:p14="http://schemas.microsoft.com/office/powerpoint/2010/main" spd="med">
         <p:fade/>
       </p:transition>
@@ -7350,7 +7350,7 @@
           <a:graphicData uri="http://schemas.openxmlformats.org/presentationml/2006/ole">
             <mc:AlternateContent xmlns:mc="http://schemas.openxmlformats.org/markup-compatibility/2006">
               <mc:Choice xmlns:v="urn:schemas-microsoft-com:vml" Requires="v">
-                <p:oleObj spid="_x0000_s155656" name="Equation" r:id="rId4" imgW="1689100" imgH="482600" progId="Equation.DSMT4">
+                <p:oleObj spid="_x0000_s155658" name="Equation" r:id="rId4" imgW="1689100" imgH="482600" progId="Equation.DSMT4">
                   <p:embed/>
                 </p:oleObj>
               </mc:Choice>
@@ -7875,7 +7875,7 @@
           <a:graphicData uri="http://schemas.openxmlformats.org/presentationml/2006/ole">
             <mc:AlternateContent xmlns:mc="http://schemas.openxmlformats.org/markup-compatibility/2006">
               <mc:Choice xmlns:v="urn:schemas-microsoft-com:vml" Requires="v">
-                <p:oleObj spid="_x0000_s156684" name="Equation" r:id="rId4" imgW="787320" imgH="228600" progId="Equation.DSMT4">
+                <p:oleObj spid="_x0000_s156687" name="Equation" r:id="rId4" imgW="787320" imgH="228600" progId="Equation.DSMT4">
                   <p:embed/>
                 </p:oleObj>
               </mc:Choice>
@@ -7945,7 +7945,7 @@
           <a:graphicData uri="http://schemas.openxmlformats.org/presentationml/2006/ole">
             <mc:AlternateContent xmlns:mc="http://schemas.openxmlformats.org/markup-compatibility/2006">
               <mc:Choice xmlns:v="urn:schemas-microsoft-com:vml" Requires="v">
-                <p:oleObj spid="_x0000_s156685" name="Equation" r:id="rId6" imgW="1028700" imgH="444500" progId="Equation.DSMT4">
+                <p:oleObj spid="_x0000_s156688" name="Equation" r:id="rId6" imgW="1028700" imgH="444500" progId="Equation.DSMT4">
                   <p:embed/>
                 </p:oleObj>
               </mc:Choice>
@@ -8534,13 +8534,13 @@
   <p:clrMapOvr>
     <a:masterClrMapping/>
   </p:clrMapOvr>
-  <mc:AlternateContent xmlns:mc="http://schemas.openxmlformats.org/markup-compatibility/2006">
-    <mc:Choice xmlns:p14="http://schemas.microsoft.com/office/powerpoint/2010/main" Requires="p14">
+  <mc:AlternateContent xmlns:mc="http://schemas.openxmlformats.org/markup-compatibility/2006" xmlns:p14="http://schemas.microsoft.com/office/powerpoint/2010/main">
+    <mc:Choice Requires="p14">
       <p:transition spd="med" p14:dur="700">
         <p:fade/>
       </p:transition>
     </mc:Choice>
-    <mc:Fallback>
+    <mc:Fallback xmlns="">
       <p:transition xmlns:p14="http://schemas.microsoft.com/office/powerpoint/2010/main" spd="med">
         <p:fade/>
       </p:transition>
@@ -9186,13 +9186,13 @@
   <p:clrMapOvr>
     <a:masterClrMapping/>
   </p:clrMapOvr>
-  <mc:AlternateContent xmlns:mc="http://schemas.openxmlformats.org/markup-compatibility/2006">
-    <mc:Choice xmlns:p14="http://schemas.microsoft.com/office/powerpoint/2010/main" Requires="p14">
+  <mc:AlternateContent xmlns:mc="http://schemas.openxmlformats.org/markup-compatibility/2006" xmlns:p14="http://schemas.microsoft.com/office/powerpoint/2010/main">
+    <mc:Choice Requires="p14">
       <p:transition spd="med" p14:dur="700">
         <p:fade/>
       </p:transition>
     </mc:Choice>
-    <mc:Fallback>
+    <mc:Fallback xmlns="">
       <p:transition xmlns:p14="http://schemas.microsoft.com/office/powerpoint/2010/main" spd="med">
         <p:fade/>
       </p:transition>
@@ -10319,7 +10319,7 @@
           <a:graphicData uri="http://schemas.openxmlformats.org/presentationml/2006/ole">
             <mc:AlternateContent xmlns:mc="http://schemas.openxmlformats.org/markup-compatibility/2006">
               <mc:Choice xmlns:v="urn:schemas-microsoft-com:vml" Requires="v">
-                <p:oleObj spid="_x0000_s144396" name="Equation" r:id="rId4" imgW="1904760" imgH="431640" progId="Equation.DSMT4">
+                <p:oleObj spid="_x0000_s144399" name="Equation" r:id="rId4" imgW="1904760" imgH="431640" progId="Equation.DSMT4">
                   <p:embed/>
                 </p:oleObj>
               </mc:Choice>
@@ -10745,7 +10745,7 @@
           <a:graphicData uri="http://schemas.openxmlformats.org/presentationml/2006/ole">
             <mc:AlternateContent xmlns:mc="http://schemas.openxmlformats.org/markup-compatibility/2006">
               <mc:Choice xmlns:v="urn:schemas-microsoft-com:vml" Requires="v">
-                <p:oleObj spid="_x0000_s144397" name="Equation" r:id="rId6" imgW="596880" imgH="431640" progId="Equation.DSMT4">
+                <p:oleObj spid="_x0000_s144400" name="Equation" r:id="rId6" imgW="596880" imgH="431640" progId="Equation.DSMT4">
                   <p:embed/>
                 </p:oleObj>
               </mc:Choice>
@@ -12016,7 +12016,7 @@
             <a:graphicData uri="http://schemas.openxmlformats.org/presentationml/2006/ole">
               <mc:AlternateContent xmlns:mc="http://schemas.openxmlformats.org/markup-compatibility/2006">
                 <mc:Choice xmlns:v="urn:schemas-microsoft-com:vml" Requires="v">
-                  <p:oleObj spid="_x0000_s157708" name="Equation" r:id="rId4" imgW="152280" imgH="419040" progId="Equation.DSMT4">
+                  <p:oleObj spid="_x0000_s157711" name="Equation" r:id="rId4" imgW="152280" imgH="419040" progId="Equation.DSMT4">
                     <p:embed/>
                   </p:oleObj>
                 </mc:Choice>
@@ -12180,7 +12180,7 @@
             <a:graphicData uri="http://schemas.openxmlformats.org/presentationml/2006/ole">
               <mc:AlternateContent xmlns:mc="http://schemas.openxmlformats.org/markup-compatibility/2006">
                 <mc:Choice xmlns:v="urn:schemas-microsoft-com:vml" Requires="v">
-                  <p:oleObj spid="_x0000_s157709" name="Equation" r:id="rId6" imgW="152280" imgH="444240" progId="Equation.DSMT4">
+                  <p:oleObj spid="_x0000_s157712" name="Equation" r:id="rId6" imgW="152280" imgH="444240" progId="Equation.DSMT4">
                     <p:embed/>
                   </p:oleObj>
                 </mc:Choice>
@@ -14956,7 +14956,7 @@
           <a:graphicData uri="http://schemas.openxmlformats.org/presentationml/2006/ole">
             <mc:AlternateContent xmlns:mc="http://schemas.openxmlformats.org/markup-compatibility/2006">
               <mc:Choice xmlns:v="urn:schemas-microsoft-com:vml" Requires="v">
-                <p:oleObj spid="_x0000_s158732" name="Equation" r:id="rId4" imgW="672840" imgH="419040" progId="Equation.DSMT4">
+                <p:oleObj spid="_x0000_s158735" name="Equation" r:id="rId4" imgW="672840" imgH="419040" progId="Equation.DSMT4">
                   <p:embed/>
                 </p:oleObj>
               </mc:Choice>
@@ -15197,7 +15197,7 @@
           <a:graphicData uri="http://schemas.openxmlformats.org/presentationml/2006/ole">
             <mc:AlternateContent xmlns:mc="http://schemas.openxmlformats.org/markup-compatibility/2006">
               <mc:Choice xmlns:v="urn:schemas-microsoft-com:vml" Requires="v">
-                <p:oleObj spid="_x0000_s158733" name="Equation" r:id="rId6" imgW="685800" imgH="431800" progId="Equation.DSMT4">
+                <p:oleObj spid="_x0000_s158736" name="Equation" r:id="rId6" imgW="685800" imgH="431800" progId="Equation.DSMT4">
                   <p:embed/>
                 </p:oleObj>
               </mc:Choice>
@@ -16149,7 +16149,7 @@
           <a:graphicData uri="http://schemas.openxmlformats.org/presentationml/2006/ole">
             <mc:AlternateContent xmlns:mc="http://schemas.openxmlformats.org/markup-compatibility/2006">
               <mc:Choice xmlns:v="urn:schemas-microsoft-com:vml" Requires="v">
-                <p:oleObj spid="_x0000_s159760" name="Equation" r:id="rId4" imgW="431640" imgH="431640" progId="Equation.DSMT4">
+                <p:oleObj spid="_x0000_s159764" name="Equation" r:id="rId4" imgW="431640" imgH="431640" progId="Equation.DSMT4">
                   <p:embed/>
                 </p:oleObj>
               </mc:Choice>
@@ -16219,7 +16219,7 @@
           <a:graphicData uri="http://schemas.openxmlformats.org/presentationml/2006/ole">
             <mc:AlternateContent xmlns:mc="http://schemas.openxmlformats.org/markup-compatibility/2006">
               <mc:Choice xmlns:v="urn:schemas-microsoft-com:vml" Requires="v">
-                <p:oleObj spid="_x0000_s159761" name="Equation" r:id="rId6" imgW="1066680" imgH="431640" progId="Equation.DSMT4">
+                <p:oleObj spid="_x0000_s159765" name="Equation" r:id="rId6" imgW="1066680" imgH="431640" progId="Equation.DSMT4">
                   <p:embed/>
                 </p:oleObj>
               </mc:Choice>
@@ -16289,7 +16289,7 @@
           <a:graphicData uri="http://schemas.openxmlformats.org/presentationml/2006/ole">
             <mc:AlternateContent xmlns:mc="http://schemas.openxmlformats.org/markup-compatibility/2006">
               <mc:Choice xmlns:v="urn:schemas-microsoft-com:vml" Requires="v">
-                <p:oleObj spid="_x0000_s159762" name="Equation" r:id="rId8" imgW="749160" imgH="419040" progId="Equation.DSMT4">
+                <p:oleObj spid="_x0000_s159766" name="Equation" r:id="rId8" imgW="749160" imgH="419040" progId="Equation.DSMT4">
                   <p:embed/>
                 </p:oleObj>
               </mc:Choice>
@@ -16677,7 +16677,7 @@
           <a:graphicData uri="http://schemas.openxmlformats.org/presentationml/2006/ole">
             <mc:AlternateContent xmlns:mc="http://schemas.openxmlformats.org/markup-compatibility/2006">
               <mc:Choice xmlns:v="urn:schemas-microsoft-com:vml" Requires="v">
-                <p:oleObj spid="_x0000_s160792" name="Equation" r:id="rId4" imgW="609480" imgH="253800" progId="Equation.DSMT4">
+                <p:oleObj spid="_x0000_s160798" name="Equation" r:id="rId4" imgW="609480" imgH="253800" progId="Equation.DSMT4">
                   <p:embed/>
                 </p:oleObj>
               </mc:Choice>
@@ -16747,7 +16747,7 @@
           <a:graphicData uri="http://schemas.openxmlformats.org/presentationml/2006/ole">
             <mc:AlternateContent xmlns:mc="http://schemas.openxmlformats.org/markup-compatibility/2006">
               <mc:Choice xmlns:v="urn:schemas-microsoft-com:vml" Requires="v">
-                <p:oleObj spid="_x0000_s160793" name="Equation" r:id="rId6" imgW="114120" imgH="215640" progId="Equation.3">
+                <p:oleObj spid="_x0000_s160799" name="Equation" r:id="rId6" imgW="114120" imgH="215640" progId="Equation.3">
                   <p:embed/>
                 </p:oleObj>
               </mc:Choice>
@@ -16817,7 +16817,7 @@
           <a:graphicData uri="http://schemas.openxmlformats.org/presentationml/2006/ole">
             <mc:AlternateContent xmlns:mc="http://schemas.openxmlformats.org/markup-compatibility/2006">
               <mc:Choice xmlns:v="urn:schemas-microsoft-com:vml" Requires="v">
-                <p:oleObj spid="_x0000_s160794" name="Equation" r:id="rId8" imgW="698400" imgH="419040" progId="Equation.DSMT4">
+                <p:oleObj spid="_x0000_s160800" name="Equation" r:id="rId8" imgW="698400" imgH="419040" progId="Equation.DSMT4">
                   <p:embed/>
                 </p:oleObj>
               </mc:Choice>
@@ -16887,7 +16887,7 @@
           <a:graphicData uri="http://schemas.openxmlformats.org/presentationml/2006/ole">
             <mc:AlternateContent xmlns:mc="http://schemas.openxmlformats.org/markup-compatibility/2006">
               <mc:Choice xmlns:v="urn:schemas-microsoft-com:vml" Requires="v">
-                <p:oleObj spid="_x0000_s160795" name="Equation" r:id="rId10" imgW="1066680" imgH="419040" progId="Equation.DSMT4">
+                <p:oleObj spid="_x0000_s160801" name="Equation" r:id="rId10" imgW="1066680" imgH="419040" progId="Equation.DSMT4">
                   <p:embed/>
                 </p:oleObj>
               </mc:Choice>
@@ -17103,7 +17103,7 @@
           <a:graphicData uri="http://schemas.openxmlformats.org/presentationml/2006/ole">
             <mc:AlternateContent xmlns:mc="http://schemas.openxmlformats.org/markup-compatibility/2006">
               <mc:Choice xmlns:v="urn:schemas-microsoft-com:vml" Requires="v">
-                <p:oleObj spid="_x0000_s160796" name="Equation" r:id="rId12" imgW="558720" imgH="419040" progId="Equation.DSMT4">
+                <p:oleObj spid="_x0000_s160802" name="Equation" r:id="rId12" imgW="558720" imgH="419040" progId="Equation.DSMT4">
                   <p:embed/>
                 </p:oleObj>
               </mc:Choice>
@@ -19774,7 +19774,7 @@
           <a:graphicData uri="http://schemas.openxmlformats.org/presentationml/2006/ole">
             <mc:AlternateContent xmlns:mc="http://schemas.openxmlformats.org/markup-compatibility/2006">
               <mc:Choice xmlns:v="urn:schemas-microsoft-com:vml" Requires="v">
-                <p:oleObj spid="_x0000_s145416" name="Equation" r:id="rId4" imgW="495000" imgH="431640" progId="Equation.DSMT4">
+                <p:oleObj spid="_x0000_s145418" name="Equation" r:id="rId4" imgW="495000" imgH="431640" progId="Equation.DSMT4">
                   <p:embed/>
                 </p:oleObj>
               </mc:Choice>
@@ -20610,7 +20610,7 @@
           <a:graphicData uri="http://schemas.openxmlformats.org/presentationml/2006/ole">
             <mc:AlternateContent xmlns:mc="http://schemas.openxmlformats.org/markup-compatibility/2006">
               <mc:Choice xmlns:v="urn:schemas-microsoft-com:vml" Requires="v">
-                <p:oleObj spid="_x0000_s161800" name="Equation" r:id="rId4" imgW="114120" imgH="215640" progId="Equation.3">
+                <p:oleObj spid="_x0000_s161802" name="Equation" r:id="rId4" imgW="114120" imgH="215640" progId="Equation.3">
                   <p:embed/>
                 </p:oleObj>
               </mc:Choice>
@@ -21193,7 +21193,7 @@
           <a:graphicData uri="http://schemas.openxmlformats.org/presentationml/2006/ole">
             <mc:AlternateContent xmlns:mc="http://schemas.openxmlformats.org/markup-compatibility/2006">
               <mc:Choice xmlns:v="urn:schemas-microsoft-com:vml" Requires="v">
-                <p:oleObj spid="_x0000_s162825" name="Equation" r:id="rId4" imgW="114120" imgH="215640" progId="Equation.3">
+                <p:oleObj spid="_x0000_s162827" name="Equation" r:id="rId4" imgW="114120" imgH="215640" progId="Equation.3">
                   <p:embed/>
                 </p:oleObj>
               </mc:Choice>
@@ -21458,7 +21458,7 @@
           <a:graphicData uri="http://schemas.openxmlformats.org/presentationml/2006/ole">
             <mc:AlternateContent xmlns:mc="http://schemas.openxmlformats.org/markup-compatibility/2006">
               <mc:Choice xmlns:v="urn:schemas-microsoft-com:vml" Requires="v">
-                <p:oleObj spid="_x0000_s163856" name="Equation" r:id="rId4" imgW="711000" imgH="431640" progId="Equation.DSMT4">
+                <p:oleObj spid="_x0000_s163860" name="Equation" r:id="rId4" imgW="711000" imgH="431640" progId="Equation.DSMT4">
                   <p:embed/>
                 </p:oleObj>
               </mc:Choice>
@@ -21528,7 +21528,7 @@
           <a:graphicData uri="http://schemas.openxmlformats.org/presentationml/2006/ole">
             <mc:AlternateContent xmlns:mc="http://schemas.openxmlformats.org/markup-compatibility/2006">
               <mc:Choice xmlns:v="urn:schemas-microsoft-com:vml" Requires="v">
-                <p:oleObj spid="_x0000_s163857" name="Equation" r:id="rId6" imgW="114120" imgH="215640" progId="Equation.3">
+                <p:oleObj spid="_x0000_s163861" name="Equation" r:id="rId6" imgW="114120" imgH="215640" progId="Equation.3">
                   <p:embed/>
                 </p:oleObj>
               </mc:Choice>
@@ -21637,7 +21637,7 @@
           <a:graphicData uri="http://schemas.openxmlformats.org/presentationml/2006/ole">
             <mc:AlternateContent xmlns:mc="http://schemas.openxmlformats.org/markup-compatibility/2006">
               <mc:Choice xmlns:v="urn:schemas-microsoft-com:vml" Requires="v">
-                <p:oleObj spid="_x0000_s163858" name="Equation" r:id="rId8" imgW="762000" imgH="495300" progId="Equation.DSMT4">
+                <p:oleObj spid="_x0000_s163862" name="Equation" r:id="rId8" imgW="762000" imgH="495300" progId="Equation.DSMT4">
                   <p:embed/>
                 </p:oleObj>
               </mc:Choice>
@@ -21864,7 +21864,7 @@
           <a:graphicData uri="http://schemas.openxmlformats.org/presentationml/2006/ole">
             <mc:AlternateContent xmlns:mc="http://schemas.openxmlformats.org/markup-compatibility/2006">
               <mc:Choice xmlns:v="urn:schemas-microsoft-com:vml" Requires="v">
-                <p:oleObj spid="_x0000_s164880" name="Equation" r:id="rId4" imgW="711000" imgH="431640" progId="Equation.DSMT4">
+                <p:oleObj spid="_x0000_s164884" name="Equation" r:id="rId4" imgW="711000" imgH="431640" progId="Equation.DSMT4">
                   <p:embed/>
                 </p:oleObj>
               </mc:Choice>
@@ -22093,7 +22093,7 @@
           <a:graphicData uri="http://schemas.openxmlformats.org/presentationml/2006/ole">
             <mc:AlternateContent xmlns:mc="http://schemas.openxmlformats.org/markup-compatibility/2006">
               <mc:Choice xmlns:v="urn:schemas-microsoft-com:vml" Requires="v">
-                <p:oleObj spid="_x0000_s164881" name="Equation" r:id="rId6" imgW="1765080" imgH="431640" progId="Equation.DSMT4">
+                <p:oleObj spid="_x0000_s164885" name="Equation" r:id="rId6" imgW="1765080" imgH="431640" progId="Equation.DSMT4">
                   <p:embed/>
                 </p:oleObj>
               </mc:Choice>
@@ -22188,7 +22188,7 @@
           <a:graphicData uri="http://schemas.openxmlformats.org/presentationml/2006/ole">
             <mc:AlternateContent xmlns:mc="http://schemas.openxmlformats.org/markup-compatibility/2006">
               <mc:Choice xmlns:v="urn:schemas-microsoft-com:vml" Requires="v">
-                <p:oleObj spid="_x0000_s164882" name="Equation" r:id="rId8" imgW="114120" imgH="215640" progId="Equation.3">
+                <p:oleObj spid="_x0000_s164886" name="Equation" r:id="rId8" imgW="114120" imgH="215640" progId="Equation.3">
                   <p:embed/>
                 </p:oleObj>
               </mc:Choice>
@@ -22729,7 +22729,7 @@
           <a:graphicData uri="http://schemas.openxmlformats.org/presentationml/2006/ole">
             <mc:AlternateContent xmlns:mc="http://schemas.openxmlformats.org/markup-compatibility/2006">
               <mc:Choice xmlns:v="urn:schemas-microsoft-com:vml" Requires="v">
-                <p:oleObj spid="_x0000_s146449" name="Equation" r:id="rId4" imgW="1612800" imgH="965160" progId="Equation.DSMT4">
+                <p:oleObj spid="_x0000_s146453" name="Equation" r:id="rId4" imgW="1612800" imgH="965160" progId="Equation.DSMT4">
                   <p:embed/>
                 </p:oleObj>
               </mc:Choice>
@@ -22815,7 +22815,7 @@
             <a:graphicData uri="http://schemas.openxmlformats.org/presentationml/2006/ole">
               <mc:AlternateContent xmlns:mc="http://schemas.openxmlformats.org/markup-compatibility/2006">
                 <mc:Choice xmlns:v="urn:schemas-microsoft-com:vml" Requires="v">
-                  <p:oleObj spid="_x0000_s146450" name="Equation" r:id="rId6" imgW="1218960" imgH="431640" progId="Equation.DSMT4">
+                  <p:oleObj spid="_x0000_s146454" name="Equation" r:id="rId6" imgW="1218960" imgH="431640" progId="Equation.DSMT4">
                     <p:embed/>
                   </p:oleObj>
                 </mc:Choice>
@@ -22967,7 +22967,7 @@
           <a:graphicData uri="http://schemas.openxmlformats.org/presentationml/2006/ole">
             <mc:AlternateContent xmlns:mc="http://schemas.openxmlformats.org/markup-compatibility/2006">
               <mc:Choice xmlns:v="urn:schemas-microsoft-com:vml" Requires="v">
-                <p:oleObj spid="_x0000_s146451" name="Equation" r:id="rId8" imgW="2108160" imgH="888840" progId="Equation.DSMT4">
+                <p:oleObj spid="_x0000_s146455" name="Equation" r:id="rId8" imgW="2108160" imgH="888840" progId="Equation.DSMT4">
                   <p:embed/>
                 </p:oleObj>
               </mc:Choice>
@@ -23186,7 +23186,7 @@
           <a:graphicData uri="http://schemas.openxmlformats.org/presentationml/2006/ole">
             <mc:AlternateContent xmlns:mc="http://schemas.openxmlformats.org/markup-compatibility/2006">
               <mc:Choice xmlns:v="urn:schemas-microsoft-com:vml" Requires="v">
-                <p:oleObj spid="_x0000_s211984" name="Equation" r:id="rId4" imgW="1612800" imgH="965160" progId="Equation.DSMT4">
+                <p:oleObj spid="_x0000_s211988" name="Equation" r:id="rId4" imgW="1612800" imgH="965160" progId="Equation.DSMT4">
                   <p:embed/>
                 </p:oleObj>
               </mc:Choice>
@@ -23256,7 +23256,7 @@
           <a:graphicData uri="http://schemas.openxmlformats.org/presentationml/2006/ole">
             <mc:AlternateContent xmlns:mc="http://schemas.openxmlformats.org/markup-compatibility/2006">
               <mc:Choice xmlns:v="urn:schemas-microsoft-com:vml" Requires="v">
-                <p:oleObj spid="_x0000_s211985" name="Equation" r:id="rId6" imgW="2159000" imgH="952500" progId="Equation.DSMT4">
+                <p:oleObj spid="_x0000_s211989" name="Equation" r:id="rId6" imgW="2159000" imgH="952500" progId="Equation.DSMT4">
                   <p:embed/>
                 </p:oleObj>
               </mc:Choice>
@@ -23335,7 +23335,7 @@
             <a:graphicData uri="http://schemas.openxmlformats.org/presentationml/2006/ole">
               <mc:AlternateContent xmlns:mc="http://schemas.openxmlformats.org/markup-compatibility/2006">
                 <mc:Choice xmlns:v="urn:schemas-microsoft-com:vml" Requires="v">
-                  <p:oleObj spid="_x0000_s211986" name="Equation" r:id="rId8" imgW="1218960" imgH="431640" progId="Equation.DSMT4">
+                  <p:oleObj spid="_x0000_s211990" name="Equation" r:id="rId8" imgW="1218960" imgH="431640" progId="Equation.DSMT4">
                     <p:embed/>
                   </p:oleObj>
                 </mc:Choice>
@@ -23709,7 +23709,7 @@
           <a:graphicData uri="http://schemas.openxmlformats.org/presentationml/2006/ole">
             <mc:AlternateContent xmlns:mc="http://schemas.openxmlformats.org/markup-compatibility/2006">
               <mc:Choice xmlns:v="urn:schemas-microsoft-com:vml" Requires="v">
-                <p:oleObj spid="_x0000_s147468" name="Equation" r:id="rId4" imgW="1714320" imgH="431640" progId="Equation.DSMT4">
+                <p:oleObj spid="_x0000_s147471" name="Equation" r:id="rId4" imgW="1714320" imgH="431640" progId="Equation.DSMT4">
                   <p:embed/>
                 </p:oleObj>
               </mc:Choice>
@@ -23781,7 +23781,7 @@
           <a:graphicData uri="http://schemas.openxmlformats.org/presentationml/2006/ole">
             <mc:AlternateContent xmlns:mc="http://schemas.openxmlformats.org/markup-compatibility/2006">
               <mc:Choice xmlns:v="urn:schemas-microsoft-com:vml" Requires="v">
-                <p:oleObj spid="_x0000_s147469" name="Equation" r:id="rId6" imgW="1041120" imgH="469800" progId="Equation.DSMT4">
+                <p:oleObj spid="_x0000_s147472" name="Equation" r:id="rId6" imgW="1041120" imgH="469800" progId="Equation.DSMT4">
                   <p:embed/>
                 </p:oleObj>
               </mc:Choice>
@@ -24156,7 +24156,7 @@
           <a:graphicData uri="http://schemas.openxmlformats.org/presentationml/2006/ole">
             <mc:AlternateContent xmlns:mc="http://schemas.openxmlformats.org/markup-compatibility/2006">
               <mc:Choice xmlns:v="urn:schemas-microsoft-com:vml" Requires="v">
-                <p:oleObj spid="_x0000_s149512" name="Equation" r:id="rId4" imgW="1790700" imgH="482600" progId="Equation.DSMT4">
+                <p:oleObj spid="_x0000_s149514" name="Equation" r:id="rId4" imgW="1790700" imgH="482600" progId="Equation.DSMT4">
                   <p:embed/>
                 </p:oleObj>
               </mc:Choice>
@@ -24302,13 +24302,13 @@
   <p:clrMapOvr>
     <a:masterClrMapping/>
   </p:clrMapOvr>
-  <mc:AlternateContent xmlns:mc="http://schemas.openxmlformats.org/markup-compatibility/2006">
-    <mc:Choice xmlns:p14="http://schemas.microsoft.com/office/powerpoint/2010/main" Requires="p14">
+  <mc:AlternateContent xmlns:mc="http://schemas.openxmlformats.org/markup-compatibility/2006" xmlns:p14="http://schemas.microsoft.com/office/powerpoint/2010/main">
+    <mc:Choice Requires="p14">
       <p:transition spd="med" p14:dur="700">
         <p:fade thruBlk="1"/>
       </p:transition>
     </mc:Choice>
-    <mc:Fallback>
+    <mc:Fallback xmlns="">
       <p:transition xmlns:p14="http://schemas.microsoft.com/office/powerpoint/2010/main" spd="med">
         <p:fade thruBlk="1"/>
       </p:transition>
@@ -24433,7 +24433,7 @@
           <a:graphicData uri="http://schemas.openxmlformats.org/presentationml/2006/ole">
             <mc:AlternateContent xmlns:mc="http://schemas.openxmlformats.org/markup-compatibility/2006">
               <mc:Choice xmlns:v="urn:schemas-microsoft-com:vml" Requires="v">
-                <p:oleObj spid="_x0000_s148488" name="Equation" r:id="rId4" imgW="1028700" imgH="520700" progId="Equation.DSMT4">
+                <p:oleObj spid="_x0000_s148490" name="Equation" r:id="rId4" imgW="1028700" imgH="520700" progId="Equation.DSMT4">
                   <p:embed/>
                 </p:oleObj>
               </mc:Choice>
@@ -25175,7 +25175,7 @@
           <a:graphicData uri="http://schemas.openxmlformats.org/presentationml/2006/ole">
             <mc:AlternateContent xmlns:mc="http://schemas.openxmlformats.org/markup-compatibility/2006">
               <mc:Choice xmlns:v="urn:schemas-microsoft-com:vml" Requires="v">
-                <p:oleObj spid="_x0000_s150536" name="Equation" r:id="rId4" imgW="1625400" imgH="444240" progId="Equation.DSMT4">
+                <p:oleObj spid="_x0000_s150538" name="Equation" r:id="rId4" imgW="1625400" imgH="444240" progId="Equation.DSMT4">
                   <p:embed/>
                 </p:oleObj>
               </mc:Choice>
